--- a/SIG VBCS Low Code Development .pptx
+++ b/SIG VBCS Low Code Development .pptx
@@ -114,6 +114,11 @@
       </a:defRPr>
     </a:lvl9pPr>
   </p:defaultTextStyle>
+  <p:extLst>
+    <p:ext uri="{EFAFB233-063F-42B5-8137-9DF3F51BA10A}">
+      <p15:sldGuideLst xmlns:p15="http://schemas.microsoft.com/office/powerpoint/2012/main"/>
+    </p:ext>
+  </p:extLst>
 </p:presentation>
 </file>
 
@@ -9068,6 +9073,78 @@
               </a:rPr>
               <a:t>https://visualbuilderhmensingqsvb-hmensing.builder.ocp.oraclecloud.com/ic/builder/</a:t>
             </a:r>
+            <a:endParaRPr lang="en-US" dirty="0"/>
+          </a:p>
+          <a:p>
+            <a:pPr marL="458280" lvl="1">
+              <a:lnSpc>
+                <a:spcPct val="120000"/>
+              </a:lnSpc>
+              <a:buClr>
+                <a:srgbClr val="000000"/>
+              </a:buClr>
+            </a:pPr>
+            <a:endParaRPr lang="en-US" sz="1500" spc="-1" dirty="0">
+              <a:solidFill>
+                <a:srgbClr val="000000"/>
+              </a:solidFill>
+              <a:latin typeface="Arial"/>
+            </a:endParaRPr>
+          </a:p>
+          <a:p>
+            <a:pPr marL="286830" indent="-285750">
+              <a:lnSpc>
+                <a:spcPct val="120000"/>
+              </a:lnSpc>
+              <a:buClr>
+                <a:srgbClr val="000000"/>
+              </a:buClr>
+              <a:buFont typeface="Arial" panose="020B0604020202020204" pitchFamily="34" charset="0"/>
+              <a:buChar char="•"/>
+            </a:pPr>
+            <a:r>
+              <a:rPr lang="en-US" sz="1500" spc="-1" dirty="0">
+                <a:solidFill>
+                  <a:srgbClr val="000000"/>
+                </a:solidFill>
+                <a:latin typeface="Arial"/>
+              </a:rPr>
+              <a:t>This is roughly what you will create</a:t>
+            </a:r>
+          </a:p>
+          <a:p>
+            <a:pPr marL="458280" lvl="1">
+              <a:lnSpc>
+                <a:spcPct val="120000"/>
+              </a:lnSpc>
+              <a:buClr>
+                <a:srgbClr val="000000"/>
+              </a:buClr>
+            </a:pPr>
+            <a:r>
+              <a:rPr lang="en-US" sz="1500" spc="-1" dirty="0">
+                <a:solidFill>
+                  <a:srgbClr val="000000"/>
+                </a:solidFill>
+                <a:hlinkClick r:id="rId4"/>
+              </a:rPr>
+              <a:t>https://visualbuilderhmensingqsvb-hmensing.builder.ocp.oraclecloud.com/ic/builder/rt/HermanM/live/webApps/mugsapp/</a:t>
+            </a:r>
+            <a:endParaRPr lang="en-US" sz="1500" spc="-1" dirty="0">
+              <a:solidFill>
+                <a:srgbClr val="000000"/>
+              </a:solidFill>
+            </a:endParaRPr>
+          </a:p>
+          <a:p>
+            <a:pPr marL="458280" lvl="1">
+              <a:lnSpc>
+                <a:spcPct val="120000"/>
+              </a:lnSpc>
+              <a:buClr>
+                <a:srgbClr val="000000"/>
+              </a:buClr>
+            </a:pPr>
             <a:endParaRPr lang="en-US" sz="1500" spc="-1" dirty="0">
               <a:solidFill>
                 <a:srgbClr val="000000"/>

--- a/SIG VBCS Low Code Development .pptx
+++ b/SIG VBCS Low Code Development .pptx
@@ -6765,16 +6765,16 @@
               </a:lnSpc>
             </a:pPr>
             <a:r>
-              <a:rPr lang="en-US" sz="600" b="0" strike="noStrike" spc="-1">
+              <a:rPr lang="en-US" sz="600" b="0" strike="noStrike" spc="-1" dirty="0">
                 <a:solidFill>
                   <a:srgbClr val="FFFFFF"/>
                 </a:solidFill>
                 <a:latin typeface="Arial"/>
                 <a:ea typeface="DejaVu Sans"/>
               </a:rPr>
-              <a:t>React</a:t>
+              <a:t>Low Code</a:t>
             </a:r>
-            <a:endParaRPr lang="en-US" sz="600" b="0" strike="noStrike" spc="-1">
+            <a:endParaRPr lang="en-US" sz="600" b="0" strike="noStrike" spc="-1" dirty="0">
               <a:latin typeface="Arial"/>
             </a:endParaRPr>
           </a:p>
@@ -7363,16 +7363,16 @@
               </a:lnSpc>
             </a:pPr>
             <a:r>
-              <a:rPr lang="en-US" sz="600" b="0" strike="noStrike" spc="-1">
+              <a:rPr lang="en-US" sz="600" b="0" strike="noStrike" spc="-1" dirty="0">
                 <a:solidFill>
                   <a:srgbClr val="FFFFFF"/>
                 </a:solidFill>
                 <a:latin typeface="Arial"/>
                 <a:ea typeface="DejaVu Sans"/>
               </a:rPr>
-              <a:t>React</a:t>
+              <a:t>Low Code</a:t>
             </a:r>
-            <a:endParaRPr lang="en-US" sz="600" b="0" strike="noStrike" spc="-1">
+            <a:endParaRPr lang="en-US" sz="600" b="0" strike="noStrike" spc="-1" dirty="0">
               <a:latin typeface="Arial"/>
             </a:endParaRPr>
           </a:p>
@@ -7621,16 +7621,16 @@
               </a:lnSpc>
             </a:pPr>
             <a:r>
-              <a:rPr lang="en-US" sz="600" b="0" strike="noStrike" spc="-1">
+              <a:rPr lang="en-US" sz="600" b="0" strike="noStrike" spc="-1" dirty="0">
                 <a:solidFill>
                   <a:srgbClr val="FFFFFF"/>
                 </a:solidFill>
                 <a:latin typeface="Arial"/>
                 <a:ea typeface="DejaVu Sans"/>
               </a:rPr>
-              <a:t>React</a:t>
+              <a:t>Low Code</a:t>
             </a:r>
-            <a:endParaRPr lang="en-US" sz="600" b="0" strike="noStrike" spc="-1">
+            <a:endParaRPr lang="en-US" sz="600" b="0" strike="noStrike" spc="-1" dirty="0">
               <a:latin typeface="Arial"/>
             </a:endParaRPr>
           </a:p>
@@ -8020,16 +8020,16 @@
               </a:lnSpc>
             </a:pPr>
             <a:r>
-              <a:rPr lang="en-US" sz="600" b="0" strike="noStrike" spc="-1">
+              <a:rPr lang="en-US" sz="600" b="0" strike="noStrike" spc="-1" dirty="0">
                 <a:solidFill>
                   <a:srgbClr val="FFFFFF"/>
                 </a:solidFill>
                 <a:latin typeface="Arial"/>
                 <a:ea typeface="DejaVu Sans"/>
               </a:rPr>
-              <a:t>React</a:t>
+              <a:t>Low Code</a:t>
             </a:r>
-            <a:endParaRPr lang="en-US" sz="600" b="0" strike="noStrike" spc="-1">
+            <a:endParaRPr lang="en-US" sz="600" b="0" strike="noStrike" spc="-1" dirty="0">
               <a:latin typeface="Arial"/>
             </a:endParaRPr>
           </a:p>
@@ -8240,16 +8240,16 @@
               </a:lnSpc>
             </a:pPr>
             <a:r>
-              <a:rPr lang="en-US" sz="600" b="0" strike="noStrike" spc="-1">
+              <a:rPr lang="en-US" sz="600" b="0" strike="noStrike" spc="-1" dirty="0">
                 <a:solidFill>
                   <a:srgbClr val="FFFFFF"/>
                 </a:solidFill>
                 <a:latin typeface="Arial"/>
                 <a:ea typeface="DejaVu Sans"/>
               </a:rPr>
-              <a:t>React</a:t>
+              <a:t>Low Code</a:t>
             </a:r>
-            <a:endParaRPr lang="en-US" sz="600" b="0" strike="noStrike" spc="-1">
+            <a:endParaRPr lang="en-US" sz="600" b="0" strike="noStrike" spc="-1" dirty="0">
               <a:latin typeface="Arial"/>
             </a:endParaRPr>
           </a:p>
@@ -8563,16 +8563,16 @@
               </a:lnSpc>
             </a:pPr>
             <a:r>
-              <a:rPr lang="en-US" sz="600" b="0" strike="noStrike" spc="-1">
+              <a:rPr lang="en-US" sz="600" b="0" strike="noStrike" spc="-1" dirty="0">
                 <a:solidFill>
                   <a:srgbClr val="FFFFFF"/>
                 </a:solidFill>
                 <a:latin typeface="Arial"/>
                 <a:ea typeface="DejaVu Sans"/>
               </a:rPr>
-              <a:t>React</a:t>
+              <a:t>Low Code</a:t>
             </a:r>
-            <a:endParaRPr lang="en-US" sz="600" b="0" strike="noStrike" spc="-1">
+            <a:endParaRPr lang="en-US" sz="600" b="0" strike="noStrike" spc="-1" dirty="0">
               <a:latin typeface="Arial"/>
             </a:endParaRPr>
           </a:p>
@@ -8780,62 +8780,6 @@
       </p:sp>
       <p:sp>
         <p:nvSpPr>
-          <p:cNvPr id="170" name="CustomShape 2"/>
-          <p:cNvSpPr/>
-          <p:nvPr/>
-        </p:nvSpPr>
-        <p:spPr>
-          <a:xfrm>
-            <a:off x="4968000" y="5004000"/>
-            <a:ext cx="3238920" cy="106920"/>
-          </a:xfrm>
-          <a:prstGeom prst="rect">
-            <a:avLst/>
-          </a:prstGeom>
-          <a:noFill/>
-          <a:ln>
-            <a:noFill/>
-          </a:ln>
-        </p:spPr>
-        <p:style>
-          <a:lnRef idx="0">
-            <a:scrgbClr r="0" g="0" b="0"/>
-          </a:lnRef>
-          <a:fillRef idx="0">
-            <a:scrgbClr r="0" g="0" b="0"/>
-          </a:fillRef>
-          <a:effectRef idx="0">
-            <a:scrgbClr r="0" g="0" b="0"/>
-          </a:effectRef>
-          <a:fontRef idx="minor"/>
-        </p:style>
-        <p:txBody>
-          <a:bodyPr lIns="0" tIns="0" rIns="0" bIns="0"/>
-          <a:lstStyle/>
-          <a:p>
-            <a:pPr algn="r">
-              <a:lnSpc>
-                <a:spcPct val="100000"/>
-              </a:lnSpc>
-            </a:pPr>
-            <a:r>
-              <a:rPr lang="en-US" sz="600" b="0" strike="noStrike" spc="-1">
-                <a:solidFill>
-                  <a:srgbClr val="FFFFFF"/>
-                </a:solidFill>
-                <a:latin typeface="Arial"/>
-                <a:ea typeface="DejaVu Sans"/>
-              </a:rPr>
-              <a:t>React</a:t>
-            </a:r>
-            <a:endParaRPr lang="en-US" sz="600" b="0" strike="noStrike" spc="-1">
-              <a:latin typeface="Arial"/>
-            </a:endParaRPr>
-          </a:p>
-        </p:txBody>
-      </p:sp>
-      <p:sp>
-        <p:nvSpPr>
           <p:cNvPr id="171" name="CustomShape 3"/>
           <p:cNvSpPr/>
           <p:nvPr/>
@@ -9354,16 +9298,16 @@
               </a:lnSpc>
             </a:pPr>
             <a:r>
-              <a:rPr lang="en-US" sz="600" b="0" strike="noStrike" spc="-1">
+              <a:rPr lang="en-US" sz="600" b="0" strike="noStrike" spc="-1" dirty="0">
                 <a:solidFill>
                   <a:srgbClr val="FFFFFF"/>
                 </a:solidFill>
                 <a:latin typeface="Arial"/>
                 <a:ea typeface="DejaVu Sans"/>
               </a:rPr>
-              <a:t>React</a:t>
+              <a:t>Low Code</a:t>
             </a:r>
-            <a:endParaRPr lang="en-US" sz="600" b="0" strike="noStrike" spc="-1">
+            <a:endParaRPr lang="en-US" sz="600" b="0" strike="noStrike" spc="-1" dirty="0">
               <a:latin typeface="Arial"/>
             </a:endParaRPr>
           </a:p>
